--- a/2018/2018-06-Apereo-Workshop-Outline.pptx
+++ b/2018/2018-06-Apereo-Workshop-Outline.pptx
@@ -5,7 +5,7 @@
     <p:sldMasterId id="2147483671" r:id="rId1"/>
   </p:sldMasterIdLst>
   <p:notesMasterIdLst>
-    <p:notesMasterId r:id="rId9"/>
+    <p:notesMasterId r:id="rId10"/>
   </p:notesMasterIdLst>
   <p:sldIdLst>
     <p:sldId id="256" r:id="rId2"/>
@@ -13,8 +13,9 @@
     <p:sldId id="277" r:id="rId4"/>
     <p:sldId id="276" r:id="rId5"/>
     <p:sldId id="278" r:id="rId6"/>
-    <p:sldId id="272" r:id="rId7"/>
-    <p:sldId id="274" r:id="rId8"/>
+    <p:sldId id="279" r:id="rId7"/>
+    <p:sldId id="272" r:id="rId8"/>
+    <p:sldId id="274" r:id="rId9"/>
   </p:sldIdLst>
   <p:sldSz cx="12192000" cy="6858000"/>
   <p:notesSz cx="6858000" cy="9144000"/>
@@ -2580,7 +2581,7 @@
                 <a:cs typeface="Calibri"/>
                 <a:sym typeface="Calibri"/>
               </a:rPr>
-              <a:t>6</a:t>
+              <a:t>7</a:t>
             </a:fld>
             <a:endParaRPr sz="1200">
               <a:solidFill>
@@ -11470,6 +11471,101 @@
   <p:cSld>
     <p:spTree>
       <p:nvGrpSpPr>
+        <p:cNvPr id="1" name=""/>
+        <p:cNvGrpSpPr/>
+        <p:nvPr/>
+      </p:nvGrpSpPr>
+      <p:grpSpPr>
+        <a:xfrm>
+          <a:off x="0" y="0"/>
+          <a:ext cx="0" cy="0"/>
+          <a:chOff x="0" y="0"/>
+          <a:chExt cx="0" cy="0"/>
+        </a:xfrm>
+      </p:grpSpPr>
+      <p:sp>
+        <p:nvSpPr>
+          <p:cNvPr id="2" name="Title 1"/>
+          <p:cNvSpPr>
+            <a:spLocks noGrp="1"/>
+          </p:cNvSpPr>
+          <p:nvPr>
+            <p:ph type="title"/>
+          </p:nvPr>
+        </p:nvSpPr>
+        <p:spPr/>
+        <p:txBody>
+          <a:bodyPr/>
+          <a:lstStyle/>
+          <a:p>
+            <a:r>
+              <a:rPr lang="en-US" dirty="0" smtClean="0"/>
+              <a:t>If we still have time</a:t>
+            </a:r>
+            <a:r>
+              <a:rPr lang="is-IS" dirty="0" smtClean="0"/>
+              <a:t>….</a:t>
+            </a:r>
+            <a:endParaRPr lang="en-US" dirty="0"/>
+          </a:p>
+        </p:txBody>
+      </p:sp>
+      <p:sp>
+        <p:nvSpPr>
+          <p:cNvPr id="3" name="Text Placeholder 2"/>
+          <p:cNvSpPr>
+            <a:spLocks noGrp="1"/>
+          </p:cNvSpPr>
+          <p:nvPr>
+            <p:ph type="body" idx="1"/>
+          </p:nvPr>
+        </p:nvSpPr>
+        <p:spPr/>
+        <p:txBody>
+          <a:bodyPr/>
+          <a:lstStyle/>
+          <a:p>
+            <a:r>
+              <a:rPr lang="en-US" dirty="0" smtClean="0">
+                <a:hlinkClick r:id="rId2" action="ppaction://hlinkpres?slideindex=1&amp;slidetitle="/>
+              </a:rPr>
+              <a:t>Koseu overview</a:t>
+            </a:r>
+            <a:endParaRPr lang="en-US" dirty="0" smtClean="0"/>
+          </a:p>
+          <a:p>
+            <a:r>
+              <a:rPr lang="en-US" dirty="0" smtClean="0"/>
+              <a:t>Go back to do installation</a:t>
+            </a:r>
+          </a:p>
+          <a:p>
+            <a:r>
+              <a:rPr lang="en-US" smtClean="0"/>
+              <a:t>Various demos</a:t>
+            </a:r>
+            <a:endParaRPr lang="en-US" dirty="0"/>
+          </a:p>
+        </p:txBody>
+      </p:sp>
+    </p:spTree>
+    <p:extLst>
+      <p:ext uri="{BB962C8B-B14F-4D97-AF65-F5344CB8AC3E}">
+        <p14:creationId xmlns:p14="http://schemas.microsoft.com/office/powerpoint/2010/main" val="525955431"/>
+      </p:ext>
+    </p:extLst>
+  </p:cSld>
+  <p:clrMapOvr>
+    <a:masterClrMapping/>
+  </p:clrMapOvr>
+</p:sld>
+</file>
+
+<file path=ppt/slides/slide7.xml><?xml version="1.0" encoding="utf-8"?>
+<p:sld xmlns:a="http://schemas.openxmlformats.org/drawingml/2006/main" xmlns:r="http://schemas.openxmlformats.org/officeDocument/2006/relationships" xmlns:p="http://schemas.openxmlformats.org/presentationml/2006/main">
+  <p:cSld>
+    <p:spTree>
+      <p:nvGrpSpPr>
         <p:cNvPr id="1" name="Shape 290"/>
         <p:cNvGrpSpPr/>
         <p:nvPr/>
@@ -11594,7 +11690,7 @@
 </p:sld>
 </file>
 
-<file path=ppt/slides/slide7.xml><?xml version="1.0" encoding="utf-8"?>
+<file path=ppt/slides/slide8.xml><?xml version="1.0" encoding="utf-8"?>
 <p:sld xmlns:a="http://schemas.openxmlformats.org/drawingml/2006/main" xmlns:r="http://schemas.openxmlformats.org/officeDocument/2006/relationships" xmlns:p="http://schemas.openxmlformats.org/presentationml/2006/main">
   <p:cSld>
     <p:spTree>

--- a/2018/2018-06-Apereo-Workshop-Outline.pptx
+++ b/2018/2018-06-Apereo-Workshop-Outline.pptx
@@ -11135,31 +11135,48 @@
           <a:lstStyle/>
           <a:p>
             <a:r>
-              <a:rPr lang="en-US" dirty="0">
-                <a:hlinkClick r:id="rId3"/>
+              <a:rPr lang="en-US" dirty="0" smtClean="0">
+                <a:hlinkClick r:id="rId3" action="ppaction://hlinkpres?slideindex=1&amp;slidetitle="/>
               </a:rPr>
-              <a:t>Exercise 3 – Adding a Store to Sakai Nightly </a:t>
-            </a:r>
-            <a:r>
-              <a:rPr lang="en-US" dirty="0" smtClean="0">
-                <a:hlinkClick r:id="rId3"/>
-              </a:rPr>
-              <a:t>MySQL</a:t>
+              <a:t>Fun – Sakai Racing Team</a:t>
             </a:r>
             <a:endParaRPr lang="en-US" dirty="0" smtClean="0">
-              <a:hlinkClick r:id="rId4" action="ppaction://hlinkpres?slideindex=1&amp;slidetitle="/>
+              <a:hlinkClick r:id="rId4"/>
             </a:endParaRPr>
           </a:p>
           <a:p>
             <a:r>
               <a:rPr lang="en-US" dirty="0" smtClean="0">
-                <a:hlinkClick r:id="rId4" action="ppaction://hlinkpres?slideindex=1&amp;slidetitle="/>
+                <a:hlinkClick r:id="rId4"/>
+              </a:rPr>
+              <a:t>Exercise </a:t>
+            </a:r>
+            <a:r>
+              <a:rPr lang="en-US" dirty="0">
+                <a:hlinkClick r:id="rId4"/>
+              </a:rPr>
+              <a:t>3 – Adding a Store to Sakai Nightly </a:t>
+            </a:r>
+            <a:r>
+              <a:rPr lang="en-US" dirty="0" smtClean="0">
+                <a:hlinkClick r:id="rId4"/>
+              </a:rPr>
+              <a:t>MySQL</a:t>
+            </a:r>
+            <a:endParaRPr lang="en-US" dirty="0" smtClean="0">
+              <a:hlinkClick r:id="rId5" action="ppaction://hlinkpres?slideindex=1&amp;slidetitle="/>
+            </a:endParaRPr>
+          </a:p>
+          <a:p>
+            <a:r>
+              <a:rPr lang="en-US" dirty="0" smtClean="0">
+                <a:hlinkClick r:id="rId5" action="ppaction://hlinkpres?slideindex=1&amp;slidetitle="/>
               </a:rPr>
               <a:t>Inside </a:t>
             </a:r>
             <a:r>
               <a:rPr lang="en-US" dirty="0">
-                <a:hlinkClick r:id="rId4" action="ppaction://hlinkpres?slideindex=1&amp;slidetitle="/>
+                <a:hlinkClick r:id="rId5" action="ppaction://hlinkpres?slideindex=1&amp;slidetitle="/>
               </a:rPr>
               <a:t>Tsugi</a:t>
             </a:r>
@@ -11168,13 +11185,13 @@
           <a:p>
             <a:r>
               <a:rPr lang="en-US" dirty="0" smtClean="0">
-                <a:hlinkClick r:id="rId3"/>
+                <a:hlinkClick r:id="rId4"/>
               </a:rPr>
               <a:t>Exercise 3 </a:t>
             </a:r>
             <a:r>
               <a:rPr lang="en-US" dirty="0">
-                <a:hlinkClick r:id="rId3"/>
+                <a:hlinkClick r:id="rId4"/>
               </a:rPr>
               <a:t>– Tsugi Admin</a:t>
             </a:r>
@@ -11206,19 +11223,19 @@
           <a:p>
             <a:r>
               <a:rPr lang="en-US" sz="2400" dirty="0" smtClean="0">
-                <a:hlinkClick r:id="rId5"/>
+                <a:hlinkClick r:id="rId6"/>
               </a:rPr>
               <a:t>http://</a:t>
             </a:r>
             <a:r>
               <a:rPr lang="en-US" sz="2400" dirty="0" err="1" smtClean="0">
-                <a:hlinkClick r:id="rId5"/>
+                <a:hlinkClick r:id="rId6"/>
               </a:rPr>
               <a:t>www.dr-chuck.com</a:t>
             </a:r>
             <a:r>
               <a:rPr lang="en-US" sz="2400" dirty="0" smtClean="0">
-                <a:hlinkClick r:id="rId5"/>
+                <a:hlinkClick r:id="rId6"/>
               </a:rPr>
               <a:t>/talks/</a:t>
             </a:r>

--- a/2018/2018-06-Apereo-Workshop-Outline.pptx
+++ b/2018/2018-06-Apereo-Workshop-Outline.pptx
@@ -10511,7 +10511,7 @@
         </p:nvSpPr>
         <p:spPr>
           <a:xfrm>
-            <a:off x="3440624" y="6276812"/>
+            <a:off x="4810244" y="6114946"/>
             <a:ext cx="4357283" cy="461665"/>
           </a:xfrm>
           <a:prstGeom prst="rect">
@@ -10567,6 +10567,13 @@
   <p:clrMapOvr>
     <a:masterClrMapping/>
   </p:clrMapOvr>
+  <p:timing>
+    <p:tnLst>
+      <p:par>
+        <p:cTn id="1" dur="indefinite" restart="never" nodeType="tmRoot"/>
+      </p:par>
+    </p:tnLst>
+  </p:timing>
 </p:sld>
 </file>
 
@@ -10781,6 +10788,13 @@
   <p:clrMapOvr>
     <a:masterClrMapping/>
   </p:clrMapOvr>
+  <p:timing>
+    <p:tnLst>
+      <p:par>
+        <p:cTn id="1" dur="indefinite" restart="never" nodeType="tmRoot"/>
+      </p:par>
+    </p:tnLst>
+  </p:timing>
 </p:sld>
 </file>
 
@@ -11015,6 +11029,13 @@
   <p:clrMapOvr>
     <a:masterClrMapping/>
   </p:clrMapOvr>
+  <p:timing>
+    <p:tnLst>
+      <p:par>
+        <p:cTn id="1" dur="indefinite" restart="never" nodeType="tmRoot"/>
+      </p:par>
+    </p:tnLst>
+  </p:timing>
 </p:sld>
 </file>
 
@@ -11253,6 +11274,13 @@
   <p:clrMapOvr>
     <a:masterClrMapping/>
   </p:clrMapOvr>
+  <p:timing>
+    <p:tnLst>
+      <p:par>
+        <p:cTn id="1" dur="indefinite" restart="never" nodeType="tmRoot"/>
+      </p:par>
+    </p:tnLst>
+  </p:timing>
 </p:sld>
 </file>
 
@@ -11480,6 +11508,13 @@
   <p:clrMapOvr>
     <a:masterClrMapping/>
   </p:clrMapOvr>
+  <p:timing>
+    <p:tnLst>
+      <p:par>
+        <p:cTn id="1" dur="indefinite" restart="never" nodeType="tmRoot"/>
+      </p:par>
+    </p:tnLst>
+  </p:timing>
 </p:sld>
 </file>
 
@@ -11575,6 +11610,13 @@
   <p:clrMapOvr>
     <a:masterClrMapping/>
   </p:clrMapOvr>
+  <p:timing>
+    <p:tnLst>
+      <p:par>
+        <p:cTn id="1" dur="indefinite" restart="never" nodeType="tmRoot"/>
+      </p:par>
+    </p:tnLst>
+  </p:timing>
 </p:sld>
 </file>
 
@@ -11704,6 +11746,13 @@
   <p:clrMapOvr>
     <a:masterClrMapping/>
   </p:clrMapOvr>
+  <p:timing>
+    <p:tnLst>
+      <p:par>
+        <p:cTn id="1" dur="indefinite" restart="never" nodeType="tmRoot"/>
+      </p:par>
+    </p:tnLst>
+  </p:timing>
 </p:sld>
 </file>
 
@@ -12181,6 +12230,13 @@
   <p:clrMapOvr>
     <a:masterClrMapping/>
   </p:clrMapOvr>
+  <p:timing>
+    <p:tnLst>
+      <p:par>
+        <p:cTn id="1" dur="indefinite" restart="never" nodeType="tmRoot"/>
+      </p:par>
+    </p:tnLst>
+  </p:timing>
 </p:sld>
 </file>
 
